--- a/Slides/NHibernate/4 - Querying.pptx
+++ b/Slides/NHibernate/4 - Querying.pptx
@@ -253,7 +253,7 @@
           <a:p>
             <a:fld id="{A254CC92-A4AB-4748-8201-8CC8FC025F54}" type="datetimeFigureOut">
               <a:rPr lang="en-US" smtClean="0"/>
-              <a:t>1/31/2015</a:t>
+              <a:t>2/3/2015</a:t>
             </a:fld>
             <a:endParaRPr lang="en-US"/>
           </a:p>
@@ -423,7 +423,7 @@
           <a:p>
             <a:fld id="{A254CC92-A4AB-4748-8201-8CC8FC025F54}" type="datetimeFigureOut">
               <a:rPr lang="en-US" smtClean="0"/>
-              <a:t>1/31/2015</a:t>
+              <a:t>2/3/2015</a:t>
             </a:fld>
             <a:endParaRPr lang="en-US"/>
           </a:p>
@@ -603,7 +603,7 @@
           <a:p>
             <a:fld id="{A254CC92-A4AB-4748-8201-8CC8FC025F54}" type="datetimeFigureOut">
               <a:rPr lang="en-US" smtClean="0"/>
-              <a:t>1/31/2015</a:t>
+              <a:t>2/3/2015</a:t>
             </a:fld>
             <a:endParaRPr lang="en-US"/>
           </a:p>
@@ -773,7 +773,7 @@
           <a:p>
             <a:fld id="{A254CC92-A4AB-4748-8201-8CC8FC025F54}" type="datetimeFigureOut">
               <a:rPr lang="en-US" smtClean="0"/>
-              <a:t>1/31/2015</a:t>
+              <a:t>2/3/2015</a:t>
             </a:fld>
             <a:endParaRPr lang="en-US"/>
           </a:p>
@@ -1017,7 +1017,7 @@
           <a:p>
             <a:fld id="{A254CC92-A4AB-4748-8201-8CC8FC025F54}" type="datetimeFigureOut">
               <a:rPr lang="en-US" smtClean="0"/>
-              <a:t>1/31/2015</a:t>
+              <a:t>2/3/2015</a:t>
             </a:fld>
             <a:endParaRPr lang="en-US"/>
           </a:p>
@@ -1249,7 +1249,7 @@
           <a:p>
             <a:fld id="{A254CC92-A4AB-4748-8201-8CC8FC025F54}" type="datetimeFigureOut">
               <a:rPr lang="en-US" smtClean="0"/>
-              <a:t>1/31/2015</a:t>
+              <a:t>2/3/2015</a:t>
             </a:fld>
             <a:endParaRPr lang="en-US"/>
           </a:p>
@@ -1616,7 +1616,7 @@
           <a:p>
             <a:fld id="{A254CC92-A4AB-4748-8201-8CC8FC025F54}" type="datetimeFigureOut">
               <a:rPr lang="en-US" smtClean="0"/>
-              <a:t>1/31/2015</a:t>
+              <a:t>2/3/2015</a:t>
             </a:fld>
             <a:endParaRPr lang="en-US"/>
           </a:p>
@@ -1734,7 +1734,7 @@
           <a:p>
             <a:fld id="{A254CC92-A4AB-4748-8201-8CC8FC025F54}" type="datetimeFigureOut">
               <a:rPr lang="en-US" smtClean="0"/>
-              <a:t>1/31/2015</a:t>
+              <a:t>2/3/2015</a:t>
             </a:fld>
             <a:endParaRPr lang="en-US"/>
           </a:p>
@@ -1829,7 +1829,7 @@
           <a:p>
             <a:fld id="{A254CC92-A4AB-4748-8201-8CC8FC025F54}" type="datetimeFigureOut">
               <a:rPr lang="en-US" smtClean="0"/>
-              <a:t>1/31/2015</a:t>
+              <a:t>2/3/2015</a:t>
             </a:fld>
             <a:endParaRPr lang="en-US"/>
           </a:p>
@@ -2106,7 +2106,7 @@
           <a:p>
             <a:fld id="{A254CC92-A4AB-4748-8201-8CC8FC025F54}" type="datetimeFigureOut">
               <a:rPr lang="en-US" smtClean="0"/>
-              <a:t>1/31/2015</a:t>
+              <a:t>2/3/2015</a:t>
             </a:fld>
             <a:endParaRPr lang="en-US"/>
           </a:p>
@@ -2363,7 +2363,7 @@
           <a:p>
             <a:fld id="{A254CC92-A4AB-4748-8201-8CC8FC025F54}" type="datetimeFigureOut">
               <a:rPr lang="en-US" smtClean="0"/>
-              <a:t>1/31/2015</a:t>
+              <a:t>2/3/2015</a:t>
             </a:fld>
             <a:endParaRPr lang="en-US"/>
           </a:p>
@@ -2576,7 +2576,7 @@
           <a:p>
             <a:fld id="{A254CC92-A4AB-4748-8201-8CC8FC025F54}" type="datetimeFigureOut">
               <a:rPr lang="en-US" smtClean="0"/>
-              <a:t>1/31/2015</a:t>
+              <a:t>2/3/2015</a:t>
             </a:fld>
             <a:endParaRPr lang="en-US"/>
           </a:p>
@@ -3020,8 +3020,20 @@
           <a:lstStyle/>
           <a:p>
             <a:r>
-              <a:rPr lang="en-US" dirty="0" smtClean="0"/>
-              <a:t>0 – Getting Started</a:t>
+              <a:rPr lang="en-US" dirty="0"/>
+              <a:t>5</a:t>
+            </a:r>
+            <a:r>
+              <a:rPr lang="en-US" smtClean="0"/>
+              <a:t> </a:t>
+            </a:r>
+            <a:r>
+              <a:rPr lang="en-US" smtClean="0"/>
+              <a:t>– </a:t>
+            </a:r>
+            <a:r>
+              <a:rPr lang="en-US" smtClean="0"/>
+              <a:t>Queries</a:t>
             </a:r>
             <a:endParaRPr lang="en-US" dirty="0"/>
           </a:p>
@@ -3500,6 +3512,13 @@
   <p:clrMapOvr>
     <a:masterClrMapping/>
   </p:clrMapOvr>
+  <p:timing>
+    <p:tnLst>
+      <p:par>
+        <p:cTn id="1" dur="indefinite" restart="never" nodeType="tmRoot"/>
+      </p:par>
+    </p:tnLst>
+  </p:timing>
 </p:sld>
 </file>
 
@@ -3689,6 +3708,13 @@
   <p:clrMapOvr>
     <a:masterClrMapping/>
   </p:clrMapOvr>
+  <p:timing>
+    <p:tnLst>
+      <p:par>
+        <p:cTn id="1" dur="indefinite" restart="never" nodeType="tmRoot"/>
+      </p:par>
+    </p:tnLst>
+  </p:timing>
 </p:sld>
 </file>
 
@@ -4049,7 +4075,6 @@
               <a:rPr lang="en-US" dirty="0" smtClean="0"/>
               <a:t>But can dynamically add restrictions with variables for both key and value</a:t>
             </a:r>
-            <a:endParaRPr lang="en-US" dirty="0" smtClean="0"/>
           </a:p>
           <a:p>
             <a:endParaRPr lang="en-US" dirty="0"/>
